--- a/Weekly Reports/Weekly Update Week of 7-15.pptx
+++ b/Weekly Reports/Weekly Update Week of 7-15.pptx
@@ -2490,7 +2490,7 @@
           <a:p>
             <a:fld id="{E20A50CF-4D54-4331-A73E-AF8596C64AD3}" type="datetimeFigureOut">
               <a:rPr lang="en-US" smtClean="0"/>
-              <a:t>7/12/2019</a:t>
+              <a:t>7/15/2019</a:t>
             </a:fld>
             <a:endParaRPr lang="en-US"/>
           </a:p>
@@ -2951,7 +2951,7 @@
           <a:graphicData uri="http://schemas.openxmlformats.org/presentationml/2006/ole">
             <mc:AlternateContent xmlns:mc="http://schemas.openxmlformats.org/markup-compatibility/2006">
               <mc:Choice xmlns:v="urn:schemas-microsoft-com:vml" Requires="v">
-                <p:oleObj spid="_x0000_s1037" name="think-cell Slide" r:id="rId4" imgW="287" imgH="287" progId="TCLayout.ActiveDocument.1">
+                <p:oleObj spid="_x0000_s1038" name="think-cell Slide" r:id="rId4" imgW="287" imgH="287" progId="TCLayout.ActiveDocument.1">
                   <p:embed/>
                 </p:oleObj>
               </mc:Choice>
@@ -12650,8 +12650,21 @@
                   <a:prstClr val="white"/>
                 </a:solidFill>
               </a:rPr>
-              <a:t>I would like to add the networking sites and see how they could be added into the system, this could be difficult though.</a:t>
+              <a:t>I would like to add the networking sites and see how they could be added into the system, by taping </a:t>
             </a:r>
+            <a:r>
+              <a:rPr lang="en-US" sz="1333">
+                <a:solidFill>
+                  <a:prstClr val="white"/>
+                </a:solidFill>
+              </a:rPr>
+              <a:t>into their APIs.</a:t>
+            </a:r>
+            <a:endParaRPr lang="en-US" sz="1333" dirty="0">
+              <a:solidFill>
+                <a:prstClr val="white"/>
+              </a:solidFill>
+            </a:endParaRPr>
           </a:p>
         </p:txBody>
       </p:sp>
